--- a/pytorch-soundnet-master/result.pptx
+++ b/pytorch-soundnet-master/result.pptx
@@ -16,6 +16,12 @@
     <p:sldId id="268" r:id="rId10"/>
     <p:sldId id="270" r:id="rId11"/>
     <p:sldId id="271" r:id="rId12"/>
+    <p:sldId id="272" r:id="rId13"/>
+    <p:sldId id="273" r:id="rId14"/>
+    <p:sldId id="277" r:id="rId15"/>
+    <p:sldId id="274" r:id="rId16"/>
+    <p:sldId id="275" r:id="rId17"/>
+    <p:sldId id="276" r:id="rId18"/>
   </p:sldIdLst>
   <p:sldSz cx="12192000" cy="6858000"/>
   <p:notesSz cx="6858000" cy="9144000"/>
@@ -253,7 +259,7 @@
           <a:p>
             <a:fld id="{97AC4929-F109-4EB3-BA19-C8E5F8C05DD6}" type="datetimeFigureOut">
               <a:rPr lang="zh-CN" altLang="en-US" smtClean="0"/>
-              <a:t>2020/2/20</a:t>
+              <a:t>2020/2/27</a:t>
             </a:fld>
             <a:endParaRPr lang="zh-CN" altLang="en-US"/>
           </a:p>
@@ -423,7 +429,7 @@
           <a:p>
             <a:fld id="{97AC4929-F109-4EB3-BA19-C8E5F8C05DD6}" type="datetimeFigureOut">
               <a:rPr lang="zh-CN" altLang="en-US" smtClean="0"/>
-              <a:t>2020/2/20</a:t>
+              <a:t>2020/2/27</a:t>
             </a:fld>
             <a:endParaRPr lang="zh-CN" altLang="en-US"/>
           </a:p>
@@ -603,7 +609,7 @@
           <a:p>
             <a:fld id="{97AC4929-F109-4EB3-BA19-C8E5F8C05DD6}" type="datetimeFigureOut">
               <a:rPr lang="zh-CN" altLang="en-US" smtClean="0"/>
-              <a:t>2020/2/20</a:t>
+              <a:t>2020/2/27</a:t>
             </a:fld>
             <a:endParaRPr lang="zh-CN" altLang="en-US"/>
           </a:p>
@@ -773,7 +779,7 @@
           <a:p>
             <a:fld id="{97AC4929-F109-4EB3-BA19-C8E5F8C05DD6}" type="datetimeFigureOut">
               <a:rPr lang="zh-CN" altLang="en-US" smtClean="0"/>
-              <a:t>2020/2/20</a:t>
+              <a:t>2020/2/27</a:t>
             </a:fld>
             <a:endParaRPr lang="zh-CN" altLang="en-US"/>
           </a:p>
@@ -1019,7 +1025,7 @@
           <a:p>
             <a:fld id="{97AC4929-F109-4EB3-BA19-C8E5F8C05DD6}" type="datetimeFigureOut">
               <a:rPr lang="zh-CN" altLang="en-US" smtClean="0"/>
-              <a:t>2020/2/20</a:t>
+              <a:t>2020/2/27</a:t>
             </a:fld>
             <a:endParaRPr lang="zh-CN" altLang="en-US"/>
           </a:p>
@@ -1251,7 +1257,7 @@
           <a:p>
             <a:fld id="{97AC4929-F109-4EB3-BA19-C8E5F8C05DD6}" type="datetimeFigureOut">
               <a:rPr lang="zh-CN" altLang="en-US" smtClean="0"/>
-              <a:t>2020/2/20</a:t>
+              <a:t>2020/2/27</a:t>
             </a:fld>
             <a:endParaRPr lang="zh-CN" altLang="en-US"/>
           </a:p>
@@ -1618,7 +1624,7 @@
           <a:p>
             <a:fld id="{97AC4929-F109-4EB3-BA19-C8E5F8C05DD6}" type="datetimeFigureOut">
               <a:rPr lang="zh-CN" altLang="en-US" smtClean="0"/>
-              <a:t>2020/2/20</a:t>
+              <a:t>2020/2/27</a:t>
             </a:fld>
             <a:endParaRPr lang="zh-CN" altLang="en-US"/>
           </a:p>
@@ -1736,7 +1742,7 @@
           <a:p>
             <a:fld id="{97AC4929-F109-4EB3-BA19-C8E5F8C05DD6}" type="datetimeFigureOut">
               <a:rPr lang="zh-CN" altLang="en-US" smtClean="0"/>
-              <a:t>2020/2/20</a:t>
+              <a:t>2020/2/27</a:t>
             </a:fld>
             <a:endParaRPr lang="zh-CN" altLang="en-US"/>
           </a:p>
@@ -1831,7 +1837,7 @@
           <a:p>
             <a:fld id="{97AC4929-F109-4EB3-BA19-C8E5F8C05DD6}" type="datetimeFigureOut">
               <a:rPr lang="zh-CN" altLang="en-US" smtClean="0"/>
-              <a:t>2020/2/20</a:t>
+              <a:t>2020/2/27</a:t>
             </a:fld>
             <a:endParaRPr lang="zh-CN" altLang="en-US"/>
           </a:p>
@@ -2108,7 +2114,7 @@
           <a:p>
             <a:fld id="{97AC4929-F109-4EB3-BA19-C8E5F8C05DD6}" type="datetimeFigureOut">
               <a:rPr lang="zh-CN" altLang="en-US" smtClean="0"/>
-              <a:t>2020/2/20</a:t>
+              <a:t>2020/2/27</a:t>
             </a:fld>
             <a:endParaRPr lang="zh-CN" altLang="en-US"/>
           </a:p>
@@ -2361,7 +2367,7 @@
           <a:p>
             <a:fld id="{97AC4929-F109-4EB3-BA19-C8E5F8C05DD6}" type="datetimeFigureOut">
               <a:rPr lang="zh-CN" altLang="en-US" smtClean="0"/>
-              <a:t>2020/2/20</a:t>
+              <a:t>2020/2/27</a:t>
             </a:fld>
             <a:endParaRPr lang="zh-CN" altLang="en-US"/>
           </a:p>
@@ -2574,7 +2580,7 @@
           <a:p>
             <a:fld id="{97AC4929-F109-4EB3-BA19-C8E5F8C05DD6}" type="datetimeFigureOut">
               <a:rPr lang="zh-CN" altLang="en-US" smtClean="0"/>
-              <a:t>2020/2/20</a:t>
+              <a:t>2020/2/27</a:t>
             </a:fld>
             <a:endParaRPr lang="zh-CN" altLang="en-US"/>
           </a:p>
@@ -3690,8 +3696,8 @@
         </p:nvSpPr>
         <p:spPr>
           <a:xfrm>
-            <a:off x="8038063" y="1135952"/>
-            <a:ext cx="1527982" cy="646331"/>
+            <a:off x="6016316" y="1342461"/>
+            <a:ext cx="1715534" cy="646331"/>
           </a:xfrm>
           <a:prstGeom prst="rect">
             <a:avLst/>
@@ -3705,13 +3711,13 @@
           <a:p>
             <a:r>
               <a:rPr lang="en-US" altLang="zh-CN" dirty="0"/>
-              <a:t>Train:      Blue</a:t>
+              <a:t>Train:         Blue</a:t>
             </a:r>
           </a:p>
           <a:p>
             <a:r>
               <a:rPr lang="en-US" altLang="zh-CN" dirty="0"/>
-              <a:t>Validate: Red</a:t>
+              <a:t>Validate:    Red</a:t>
             </a:r>
             <a:endParaRPr lang="zh-CN" altLang="en-US" dirty="0"/>
           </a:p>
@@ -3769,7 +3775,7 @@
         </p:blipFill>
         <p:spPr>
           <a:xfrm>
-            <a:off x="5743575" y="3056756"/>
+            <a:off x="6172610" y="135447"/>
             <a:ext cx="6448425" cy="3743325"/>
           </a:xfrm>
           <a:prstGeom prst="rect">
@@ -3799,8 +3805,38 @@
         </p:blipFill>
         <p:spPr>
           <a:xfrm>
-            <a:off x="102195" y="0"/>
+            <a:off x="0" y="270895"/>
             <a:ext cx="6533181" cy="3472430"/>
+          </a:xfrm>
+          <a:prstGeom prst="rect">
+            <a:avLst/>
+          </a:prstGeom>
+        </p:spPr>
+      </p:pic>
+      <p:pic>
+        <p:nvPicPr>
+          <p:cNvPr id="2" name="图片 1">
+            <a:extLst>
+              <a:ext uri="{FF2B5EF4-FFF2-40B4-BE49-F238E27FC236}">
+                <a16:creationId xmlns:a16="http://schemas.microsoft.com/office/drawing/2014/main" id="{26BF0DB7-47F1-4A5F-9046-E9F9EF236B16}"/>
+              </a:ext>
+            </a:extLst>
+          </p:cNvPr>
+          <p:cNvPicPr>
+            <a:picLocks noChangeAspect="1"/>
+          </p:cNvPicPr>
+          <p:nvPr/>
+        </p:nvPicPr>
+        <p:blipFill>
+          <a:blip r:embed="rId4"/>
+          <a:stretch>
+            <a:fillRect/>
+          </a:stretch>
+        </p:blipFill>
+        <p:spPr>
+          <a:xfrm>
+            <a:off x="0" y="3743325"/>
+            <a:ext cx="5543738" cy="2346710"/>
           </a:xfrm>
           <a:prstGeom prst="rect">
             <a:avLst/>
@@ -3811,6 +3847,1669 @@
     <p:extLst>
       <p:ext uri="{BB962C8B-B14F-4D97-AF65-F5344CB8AC3E}">
         <p14:creationId xmlns:p14="http://schemas.microsoft.com/office/powerpoint/2010/main" val="1986743840"/>
+      </p:ext>
+    </p:extLst>
+  </p:cSld>
+  <p:clrMapOvr>
+    <a:masterClrMapping/>
+  </p:clrMapOvr>
+</p:sld>
+</file>
+
+<file path=ppt/slides/slide12.xml><?xml version="1.0" encoding="utf-8"?>
+<p:sld xmlns:a="http://schemas.openxmlformats.org/drawingml/2006/main" xmlns:r="http://schemas.openxmlformats.org/officeDocument/2006/relationships" xmlns:p="http://schemas.openxmlformats.org/presentationml/2006/main">
+  <p:cSld>
+    <p:spTree>
+      <p:nvGrpSpPr>
+        <p:cNvPr id="1" name=""/>
+        <p:cNvGrpSpPr/>
+        <p:nvPr/>
+      </p:nvGrpSpPr>
+      <p:grpSpPr>
+        <a:xfrm>
+          <a:off x="0" y="0"/>
+          <a:ext cx="0" cy="0"/>
+          <a:chOff x="0" y="0"/>
+          <a:chExt cx="0" cy="0"/>
+        </a:xfrm>
+      </p:grpSpPr>
+      <p:sp>
+        <p:nvSpPr>
+          <p:cNvPr id="4" name="内容占位符 2">
+            <a:extLst>
+              <a:ext uri="{FF2B5EF4-FFF2-40B4-BE49-F238E27FC236}">
+                <a16:creationId xmlns:a16="http://schemas.microsoft.com/office/drawing/2014/main" id="{2E245917-6F57-435A-AA10-5F674A0820ED}"/>
+              </a:ext>
+            </a:extLst>
+          </p:cNvPr>
+          <p:cNvSpPr>
+            <a:spLocks noGrp="1"/>
+          </p:cNvSpPr>
+          <p:nvPr>
+            <p:ph idx="1"/>
+          </p:nvPr>
+        </p:nvSpPr>
+        <p:spPr>
+          <a:xfrm>
+            <a:off x="393116" y="2085597"/>
+            <a:ext cx="10515600" cy="4351338"/>
+          </a:xfrm>
+        </p:spPr>
+        <p:txBody>
+          <a:bodyPr>
+            <a:normAutofit/>
+          </a:bodyPr>
+          <a:lstStyle/>
+          <a:p>
+            <a:r>
+              <a:rPr lang="en-US" altLang="zh-CN" sz="1800" dirty="0"/>
+              <a:t>Baseline </a:t>
+            </a:r>
+            <a:r>
+              <a:rPr lang="zh-CN" altLang="en-US" sz="1800" dirty="0"/>
+              <a:t>（</a:t>
+            </a:r>
+            <a:r>
+              <a:rPr lang="en-US" altLang="zh-CN" sz="1800" dirty="0" err="1"/>
+              <a:t>Conv+LSTM</a:t>
+            </a:r>
+            <a:r>
+              <a:rPr lang="zh-CN" altLang="en-US" sz="1800" dirty="0"/>
+              <a:t>）</a:t>
+            </a:r>
+            <a:endParaRPr lang="en-US" altLang="zh-CN" sz="1800" dirty="0"/>
+          </a:p>
+          <a:p>
+            <a:endParaRPr lang="en-US" altLang="zh-CN" sz="1800" dirty="0"/>
+          </a:p>
+          <a:p>
+            <a:pPr lvl="1"/>
+            <a:r>
+              <a:rPr lang="en-US" altLang="zh-CN" sz="1600" dirty="0"/>
+              <a:t>New representation</a:t>
+            </a:r>
+          </a:p>
+          <a:p>
+            <a:pPr lvl="2"/>
+            <a:r>
+              <a:rPr lang="en-US" altLang="zh-CN" sz="1400" dirty="0"/>
+              <a:t>How to fuse different arises or modalities ?</a:t>
+            </a:r>
+          </a:p>
+          <a:p>
+            <a:pPr marL="457200" lvl="1" indent="0">
+              <a:buNone/>
+            </a:pPr>
+            <a:endParaRPr lang="en-US" altLang="zh-CN" sz="1600" dirty="0"/>
+          </a:p>
+          <a:p>
+            <a:pPr lvl="1"/>
+            <a:r>
+              <a:rPr lang="en-US" altLang="zh-CN" sz="1600" dirty="0"/>
+              <a:t>Data augmentation (spatial)     problem 1,2 (</a:t>
+            </a:r>
+            <a:r>
+              <a:rPr lang="zh-CN" altLang="en-US" sz="1200" dirty="0"/>
+              <a:t>按照数据分布，扩大数据集</a:t>
+            </a:r>
+            <a:r>
+              <a:rPr lang="en-US" altLang="zh-CN" sz="1600" dirty="0"/>
+              <a:t>)</a:t>
+            </a:r>
+            <a:endParaRPr lang="en-US" altLang="zh-CN" sz="2000" dirty="0"/>
+          </a:p>
+          <a:p>
+            <a:pPr lvl="1"/>
+            <a:endParaRPr lang="en-US" altLang="zh-CN" sz="1600" dirty="0"/>
+          </a:p>
+          <a:p>
+            <a:pPr lvl="2"/>
+            <a:r>
+              <a:rPr lang="en-US" altLang="zh-CN" sz="1400" dirty="0"/>
+              <a:t>Rotating the vectors with different quaternion. ( </a:t>
+            </a:r>
+            <a:r>
+              <a:rPr lang="en-US" altLang="zh-CN" sz="1400" b="1" dirty="0">
+                <a:solidFill>
+                  <a:srgbClr val="FF0000"/>
+                </a:solidFill>
+              </a:rPr>
+              <a:t>Valid </a:t>
+            </a:r>
+            <a:r>
+              <a:rPr lang="en-US" altLang="zh-CN" sz="1400" dirty="0"/>
+              <a:t>)</a:t>
+            </a:r>
+          </a:p>
+          <a:p>
+            <a:pPr lvl="2"/>
+            <a:endParaRPr lang="en-US" altLang="zh-CN" sz="1400" dirty="0"/>
+          </a:p>
+          <a:p>
+            <a:pPr lvl="1"/>
+            <a:endParaRPr lang="en-US" altLang="zh-CN" sz="1600" dirty="0"/>
+          </a:p>
+          <a:p>
+            <a:pPr lvl="1"/>
+            <a:r>
+              <a:rPr lang="en-US" altLang="zh-CN" sz="1600" dirty="0" err="1"/>
+              <a:t>Attentation</a:t>
+            </a:r>
+            <a:r>
+              <a:rPr lang="en-US" altLang="zh-CN" sz="1600" dirty="0"/>
+              <a:t> (temporal)      problem 1,3  (</a:t>
+            </a:r>
+            <a:r>
+              <a:rPr lang="zh-CN" altLang="en-US" sz="1200" dirty="0"/>
+              <a:t>跑步周期性</a:t>
+            </a:r>
+            <a:r>
+              <a:rPr lang="en-US" altLang="zh-CN" sz="1200" dirty="0"/>
+              <a:t>domain knowledge</a:t>
+            </a:r>
+            <a:r>
+              <a:rPr lang="zh-CN" altLang="en-US" sz="1200" dirty="0"/>
+              <a:t>，让网络尽量避免个人特征差异，更多的关注</a:t>
+            </a:r>
+            <a:r>
+              <a:rPr lang="en-US" altLang="zh-CN" sz="1200" dirty="0"/>
+              <a:t>ROI</a:t>
+            </a:r>
+            <a:r>
+              <a:rPr lang="zh-CN" altLang="en-US" sz="1200" dirty="0"/>
+              <a:t>区域</a:t>
+            </a:r>
+            <a:r>
+              <a:rPr lang="en-US" altLang="zh-CN" sz="1600" dirty="0"/>
+              <a:t>)</a:t>
+            </a:r>
+          </a:p>
+          <a:p>
+            <a:pPr lvl="2"/>
+            <a:r>
+              <a:rPr lang="en-US" altLang="zh-CN" sz="1400" dirty="0"/>
+              <a:t>Combine high light vector with the feature sequence ( </a:t>
+            </a:r>
+            <a:r>
+              <a:rPr lang="en-US" altLang="zh-CN" sz="1400" b="1" dirty="0">
+                <a:solidFill>
+                  <a:srgbClr val="FF0000"/>
+                </a:solidFill>
+              </a:rPr>
+              <a:t>Partially Valid </a:t>
+            </a:r>
+            <a:r>
+              <a:rPr lang="en-US" altLang="zh-CN" sz="1400" dirty="0"/>
+              <a:t>)</a:t>
+            </a:r>
+            <a:endParaRPr lang="zh-CN" altLang="en-US" dirty="0"/>
+          </a:p>
+        </p:txBody>
+      </p:sp>
+      <p:pic>
+        <p:nvPicPr>
+          <p:cNvPr id="5" name="图片 4">
+            <a:extLst>
+              <a:ext uri="{FF2B5EF4-FFF2-40B4-BE49-F238E27FC236}">
+                <a16:creationId xmlns:a16="http://schemas.microsoft.com/office/drawing/2014/main" id="{03FF2752-AB74-4694-AAAC-2EE810BAC339}"/>
+              </a:ext>
+            </a:extLst>
+          </p:cNvPr>
+          <p:cNvPicPr>
+            <a:picLocks noChangeAspect="1"/>
+          </p:cNvPicPr>
+          <p:nvPr/>
+        </p:nvPicPr>
+        <p:blipFill rotWithShape="1">
+          <a:blip r:embed="rId2"/>
+          <a:srcRect l="11207" r="87614"/>
+          <a:stretch/>
+        </p:blipFill>
+        <p:spPr>
+          <a:xfrm>
+            <a:off x="2828813" y="5731885"/>
+            <a:ext cx="769914" cy="868259"/>
+          </a:xfrm>
+          <a:prstGeom prst="rect">
+            <a:avLst/>
+          </a:prstGeom>
+        </p:spPr>
+      </p:pic>
+      <p:pic>
+        <p:nvPicPr>
+          <p:cNvPr id="6" name="图片 5">
+            <a:extLst>
+              <a:ext uri="{FF2B5EF4-FFF2-40B4-BE49-F238E27FC236}">
+                <a16:creationId xmlns:a16="http://schemas.microsoft.com/office/drawing/2014/main" id="{A4ABCE6A-9640-46B8-A655-5479DCAAC82F}"/>
+              </a:ext>
+            </a:extLst>
+          </p:cNvPr>
+          <p:cNvPicPr>
+            <a:picLocks noChangeAspect="1"/>
+          </p:cNvPicPr>
+          <p:nvPr/>
+        </p:nvPicPr>
+        <p:blipFill rotWithShape="1">
+          <a:blip r:embed="rId2"/>
+          <a:srcRect l="9970"/>
+          <a:stretch/>
+        </p:blipFill>
+        <p:spPr>
+          <a:xfrm>
+            <a:off x="3598727" y="5731885"/>
+            <a:ext cx="1009945" cy="868259"/>
+          </a:xfrm>
+          <a:prstGeom prst="rect">
+            <a:avLst/>
+          </a:prstGeom>
+        </p:spPr>
+      </p:pic>
+      <p:pic>
+        <p:nvPicPr>
+          <p:cNvPr id="7" name="图片 6">
+            <a:extLst>
+              <a:ext uri="{FF2B5EF4-FFF2-40B4-BE49-F238E27FC236}">
+                <a16:creationId xmlns:a16="http://schemas.microsoft.com/office/drawing/2014/main" id="{BD6BE8F6-2D23-458C-A43B-622662842AD6}"/>
+              </a:ext>
+            </a:extLst>
+          </p:cNvPr>
+          <p:cNvPicPr>
+            <a:picLocks noChangeAspect="1"/>
+          </p:cNvPicPr>
+          <p:nvPr/>
+        </p:nvPicPr>
+        <p:blipFill rotWithShape="1">
+          <a:blip r:embed="rId2"/>
+          <a:srcRect l="9970" r="87614"/>
+          <a:stretch/>
+        </p:blipFill>
+        <p:spPr>
+          <a:xfrm>
+            <a:off x="4413078" y="5731885"/>
+            <a:ext cx="1599033" cy="868259"/>
+          </a:xfrm>
+          <a:prstGeom prst="rect">
+            <a:avLst/>
+          </a:prstGeom>
+        </p:spPr>
+      </p:pic>
+      <p:pic>
+        <p:nvPicPr>
+          <p:cNvPr id="8" name="图片 7">
+            <a:extLst>
+              <a:ext uri="{FF2B5EF4-FFF2-40B4-BE49-F238E27FC236}">
+                <a16:creationId xmlns:a16="http://schemas.microsoft.com/office/drawing/2014/main" id="{C128F595-BCD9-4E6A-A629-8FEAEB9B645C}"/>
+              </a:ext>
+            </a:extLst>
+          </p:cNvPr>
+          <p:cNvPicPr>
+            <a:picLocks noChangeAspect="1"/>
+          </p:cNvPicPr>
+          <p:nvPr/>
+        </p:nvPicPr>
+        <p:blipFill rotWithShape="1">
+          <a:blip r:embed="rId2"/>
+          <a:srcRect l="9970" r="13351"/>
+          <a:stretch/>
+        </p:blipFill>
+        <p:spPr>
+          <a:xfrm>
+            <a:off x="1966170" y="5731887"/>
+            <a:ext cx="915632" cy="868259"/>
+          </a:xfrm>
+          <a:prstGeom prst="rect">
+            <a:avLst/>
+          </a:prstGeom>
+        </p:spPr>
+      </p:pic>
+      <p:pic>
+        <p:nvPicPr>
+          <p:cNvPr id="9" name="图片 8">
+            <a:extLst>
+              <a:ext uri="{FF2B5EF4-FFF2-40B4-BE49-F238E27FC236}">
+                <a16:creationId xmlns:a16="http://schemas.microsoft.com/office/drawing/2014/main" id="{5CD1B0F1-F329-4FD8-AC7C-B920242DAD3F}"/>
+              </a:ext>
+            </a:extLst>
+          </p:cNvPr>
+          <p:cNvPicPr>
+            <a:picLocks noChangeAspect="1"/>
+          </p:cNvPicPr>
+          <p:nvPr/>
+        </p:nvPicPr>
+        <p:blipFill rotWithShape="1">
+          <a:blip r:embed="rId2"/>
+          <a:srcRect l="11207" r="87614"/>
+          <a:stretch/>
+        </p:blipFill>
+        <p:spPr>
+          <a:xfrm>
+            <a:off x="1516430" y="5731886"/>
+            <a:ext cx="498032" cy="868259"/>
+          </a:xfrm>
+          <a:prstGeom prst="rect">
+            <a:avLst/>
+          </a:prstGeom>
+        </p:spPr>
+      </p:pic>
+      <p:sp>
+        <p:nvSpPr>
+          <p:cNvPr id="10" name="矩形 9">
+            <a:extLst>
+              <a:ext uri="{FF2B5EF4-FFF2-40B4-BE49-F238E27FC236}">
+                <a16:creationId xmlns:a16="http://schemas.microsoft.com/office/drawing/2014/main" id="{4F64A8B2-1F26-4202-8BDA-878F05079F52}"/>
+              </a:ext>
+            </a:extLst>
+          </p:cNvPr>
+          <p:cNvSpPr/>
+          <p:nvPr/>
+        </p:nvSpPr>
+        <p:spPr>
+          <a:xfrm>
+            <a:off x="393116" y="257854"/>
+            <a:ext cx="10100842" cy="1200329"/>
+          </a:xfrm>
+          <a:prstGeom prst="rect">
+            <a:avLst/>
+          </a:prstGeom>
+        </p:spPr>
+        <p:txBody>
+          <a:bodyPr wrap="none">
+            <a:spAutoFit/>
+          </a:bodyPr>
+          <a:lstStyle/>
+          <a:p>
+            <a:r>
+              <a:rPr lang="en-US" altLang="zh-CN" dirty="0"/>
+              <a:t>Problem: </a:t>
+            </a:r>
+          </a:p>
+          <a:p>
+            <a:pPr marL="342900" indent="-342900">
+              <a:buAutoNum type="arabicPeriod"/>
+            </a:pPr>
+            <a:r>
+              <a:rPr lang="en-US" altLang="zh-CN" dirty="0"/>
+              <a:t>1D sensor data </a:t>
+            </a:r>
+            <a:r>
+              <a:rPr lang="zh-CN" altLang="en-US" dirty="0"/>
+              <a:t>可读性差，数据标注困难， 标注工作费时费力，导致可训练</a:t>
+            </a:r>
+            <a:r>
+              <a:rPr lang="zh-CN" altLang="en-US" dirty="0">
+                <a:highlight>
+                  <a:srgbClr val="FFFF00"/>
+                </a:highlight>
+              </a:rPr>
+              <a:t>数据量不足</a:t>
+            </a:r>
+            <a:endParaRPr lang="en-US" altLang="zh-CN" dirty="0">
+              <a:highlight>
+                <a:srgbClr val="FFFF00"/>
+              </a:highlight>
+            </a:endParaRPr>
+          </a:p>
+          <a:p>
+            <a:pPr marL="342900" indent="-342900">
+              <a:buAutoNum type="arabicPeriod"/>
+            </a:pPr>
+            <a:r>
+              <a:rPr lang="zh-CN" altLang="en-US" dirty="0"/>
+              <a:t>受佩戴影响，</a:t>
+            </a:r>
+            <a:r>
+              <a:rPr lang="zh-CN" altLang="en-US" dirty="0">
+                <a:solidFill>
+                  <a:srgbClr val="FF0000"/>
+                </a:solidFill>
+              </a:rPr>
+              <a:t>不同佩戴位置</a:t>
+            </a:r>
+            <a:r>
+              <a:rPr lang="zh-CN" altLang="en-US" dirty="0"/>
+              <a:t>、同一佩戴位置</a:t>
+            </a:r>
+            <a:r>
+              <a:rPr lang="zh-CN" altLang="en-US" dirty="0">
+                <a:solidFill>
+                  <a:srgbClr val="FF0000"/>
+                </a:solidFill>
+              </a:rPr>
+              <a:t>不同的佩戴误差</a:t>
+            </a:r>
+            <a:r>
+              <a:rPr lang="zh-CN" altLang="en-US" dirty="0"/>
+              <a:t>产生的特征差异大，</a:t>
+            </a:r>
+            <a:r>
+              <a:rPr lang="en-US" altLang="zh-CN" dirty="0"/>
+              <a:t>NN</a:t>
+            </a:r>
+            <a:r>
+              <a:rPr lang="zh-CN" altLang="en-US" dirty="0"/>
+              <a:t>的迁移性差</a:t>
+            </a:r>
+            <a:endParaRPr lang="en-US" altLang="zh-CN" dirty="0"/>
+          </a:p>
+          <a:p>
+            <a:pPr marL="342900" indent="-342900">
+              <a:buAutoNum type="arabicPeriod"/>
+            </a:pPr>
+            <a:r>
+              <a:rPr lang="zh-CN" altLang="en-US" dirty="0"/>
+              <a:t>习惯性差异，不同的人做同一类运动会有自我偏好，特征不尽相同。</a:t>
+            </a:r>
+          </a:p>
+        </p:txBody>
+      </p:sp>
+    </p:spTree>
+    <p:extLst>
+      <p:ext uri="{BB962C8B-B14F-4D97-AF65-F5344CB8AC3E}">
+        <p14:creationId xmlns:p14="http://schemas.microsoft.com/office/powerpoint/2010/main" val="1728951356"/>
+      </p:ext>
+    </p:extLst>
+  </p:cSld>
+  <p:clrMapOvr>
+    <a:masterClrMapping/>
+  </p:clrMapOvr>
+</p:sld>
+</file>
+
+<file path=ppt/slides/slide13.xml><?xml version="1.0" encoding="utf-8"?>
+<p:sld xmlns:a="http://schemas.openxmlformats.org/drawingml/2006/main" xmlns:r="http://schemas.openxmlformats.org/officeDocument/2006/relationships" xmlns:p="http://schemas.openxmlformats.org/presentationml/2006/main">
+  <p:cSld>
+    <p:bg>
+      <p:bgPr>
+        <a:solidFill>
+          <a:schemeClr val="bg1"/>
+        </a:solidFill>
+        <a:effectLst/>
+      </p:bgPr>
+    </p:bg>
+    <p:spTree>
+      <p:nvGrpSpPr>
+        <p:cNvPr id="1" name=""/>
+        <p:cNvGrpSpPr/>
+        <p:nvPr/>
+      </p:nvGrpSpPr>
+      <p:grpSpPr>
+        <a:xfrm>
+          <a:off x="0" y="0"/>
+          <a:ext cx="0" cy="0"/>
+          <a:chOff x="0" y="0"/>
+          <a:chExt cx="0" cy="0"/>
+        </a:xfrm>
+      </p:grpSpPr>
+      <p:pic>
+        <p:nvPicPr>
+          <p:cNvPr id="10" name="图片 9">
+            <a:extLst>
+              <a:ext uri="{FF2B5EF4-FFF2-40B4-BE49-F238E27FC236}">
+                <a16:creationId xmlns:a16="http://schemas.microsoft.com/office/drawing/2014/main" id="{47460EE3-BCD8-4D1D-8B0A-FCC72F89E1D8}"/>
+              </a:ext>
+            </a:extLst>
+          </p:cNvPr>
+          <p:cNvPicPr>
+            <a:picLocks noChangeAspect="1"/>
+          </p:cNvPicPr>
+          <p:nvPr/>
+        </p:nvPicPr>
+        <p:blipFill rotWithShape="1">
+          <a:blip r:embed="rId2"/>
+          <a:srcRect t="6676" b="8116"/>
+          <a:stretch/>
+        </p:blipFill>
+        <p:spPr>
+          <a:xfrm>
+            <a:off x="903813" y="3370050"/>
+            <a:ext cx="7298841" cy="1705624"/>
+          </a:xfrm>
+          <a:prstGeom prst="rect">
+            <a:avLst/>
+          </a:prstGeom>
+        </p:spPr>
+      </p:pic>
+      <p:pic>
+        <p:nvPicPr>
+          <p:cNvPr id="11" name="图片 10">
+            <a:extLst>
+              <a:ext uri="{FF2B5EF4-FFF2-40B4-BE49-F238E27FC236}">
+                <a16:creationId xmlns:a16="http://schemas.microsoft.com/office/drawing/2014/main" id="{AFCF7D46-57DD-4F99-81A9-836B3D3EF98E}"/>
+              </a:ext>
+            </a:extLst>
+          </p:cNvPr>
+          <p:cNvPicPr>
+            <a:picLocks noChangeAspect="1"/>
+          </p:cNvPicPr>
+          <p:nvPr/>
+        </p:nvPicPr>
+        <p:blipFill rotWithShape="1">
+          <a:blip r:embed="rId3"/>
+          <a:srcRect b="6179"/>
+          <a:stretch/>
+        </p:blipFill>
+        <p:spPr>
+          <a:xfrm>
+            <a:off x="941913" y="-167148"/>
+            <a:ext cx="6950169" cy="1683040"/>
+          </a:xfrm>
+          <a:prstGeom prst="rect">
+            <a:avLst/>
+          </a:prstGeom>
+        </p:spPr>
+      </p:pic>
+      <p:pic>
+        <p:nvPicPr>
+          <p:cNvPr id="12" name="图片 11">
+            <a:extLst>
+              <a:ext uri="{FF2B5EF4-FFF2-40B4-BE49-F238E27FC236}">
+                <a16:creationId xmlns:a16="http://schemas.microsoft.com/office/drawing/2014/main" id="{6B4EDF08-3F71-4550-B0BE-EA9CD57F8DD6}"/>
+              </a:ext>
+            </a:extLst>
+          </p:cNvPr>
+          <p:cNvPicPr>
+            <a:picLocks noChangeAspect="1"/>
+          </p:cNvPicPr>
+          <p:nvPr/>
+        </p:nvPicPr>
+        <p:blipFill>
+          <a:blip r:embed="rId4"/>
+          <a:stretch>
+            <a:fillRect/>
+          </a:stretch>
+        </p:blipFill>
+        <p:spPr>
+          <a:xfrm>
+            <a:off x="941913" y="5143987"/>
+            <a:ext cx="6950169" cy="1833508"/>
+          </a:xfrm>
+          <a:prstGeom prst="rect">
+            <a:avLst/>
+          </a:prstGeom>
+        </p:spPr>
+      </p:pic>
+      <p:pic>
+        <p:nvPicPr>
+          <p:cNvPr id="13" name="图片 12">
+            <a:extLst>
+              <a:ext uri="{FF2B5EF4-FFF2-40B4-BE49-F238E27FC236}">
+                <a16:creationId xmlns:a16="http://schemas.microsoft.com/office/drawing/2014/main" id="{71812F27-AD88-4F53-B9F9-12D70AC7957E}"/>
+              </a:ext>
+            </a:extLst>
+          </p:cNvPr>
+          <p:cNvPicPr>
+            <a:picLocks noChangeAspect="1"/>
+          </p:cNvPicPr>
+          <p:nvPr/>
+        </p:nvPicPr>
+        <p:blipFill>
+          <a:blip r:embed="rId5"/>
+          <a:stretch>
+            <a:fillRect/>
+          </a:stretch>
+        </p:blipFill>
+        <p:spPr>
+          <a:xfrm>
+            <a:off x="903813" y="1503510"/>
+            <a:ext cx="6950169" cy="1866540"/>
+          </a:xfrm>
+          <a:prstGeom prst="rect">
+            <a:avLst/>
+          </a:prstGeom>
+        </p:spPr>
+      </p:pic>
+      <p:sp>
+        <p:nvSpPr>
+          <p:cNvPr id="14" name="矩形 13">
+            <a:extLst>
+              <a:ext uri="{FF2B5EF4-FFF2-40B4-BE49-F238E27FC236}">
+                <a16:creationId xmlns:a16="http://schemas.microsoft.com/office/drawing/2014/main" id="{A12EA97F-FA68-4348-A3E8-5A2ADD6A3E2F}"/>
+              </a:ext>
+            </a:extLst>
+          </p:cNvPr>
+          <p:cNvSpPr/>
+          <p:nvPr/>
+        </p:nvSpPr>
+        <p:spPr>
+          <a:xfrm>
+            <a:off x="7867402" y="556079"/>
+            <a:ext cx="4299918" cy="4247317"/>
+          </a:xfrm>
+          <a:prstGeom prst="rect">
+            <a:avLst/>
+          </a:prstGeom>
+        </p:spPr>
+        <p:txBody>
+          <a:bodyPr wrap="square">
+            <a:spAutoFit/>
+          </a:bodyPr>
+          <a:lstStyle/>
+          <a:p>
+            <a:pPr marL="342900" indent="-342900">
+              <a:buAutoNum type="arabicPeriod"/>
+            </a:pPr>
+            <a:r>
+              <a:rPr lang="en-US" altLang="zh-CN" dirty="0"/>
+              <a:t>Testing</a:t>
+            </a:r>
+            <a:r>
+              <a:rPr lang="zh-CN" altLang="en-US" dirty="0"/>
+              <a:t>集 和 训练集会有部分未覆盖到的情况。但是增加</a:t>
+            </a:r>
+            <a:r>
+              <a:rPr lang="en-US" altLang="zh-CN" dirty="0"/>
+              <a:t>augment</a:t>
+            </a:r>
+            <a:r>
+              <a:rPr lang="zh-CN" altLang="en-US" dirty="0"/>
+              <a:t>的数据后，会部分增加与</a:t>
+            </a:r>
+            <a:r>
+              <a:rPr lang="en-US" altLang="zh-CN" dirty="0"/>
+              <a:t>testing</a:t>
+            </a:r>
+            <a:r>
+              <a:rPr lang="zh-CN" altLang="en-US" dirty="0"/>
+              <a:t>重合度，但是由于真实数据没有这么多样的佩戴方式，这么旋转其实是</a:t>
+            </a:r>
+            <a:r>
+              <a:rPr lang="zh-CN" altLang="en-US" dirty="0">
+                <a:highlight>
+                  <a:srgbClr val="FFFF00"/>
+                </a:highlight>
+              </a:rPr>
+              <a:t>拉偏了整个数据分布</a:t>
+            </a:r>
+            <a:r>
+              <a:rPr lang="zh-CN" altLang="en-US" dirty="0"/>
+              <a:t>，导致真实数据集边缘化，缩小了真实数据的比例。过多的增加会导致会增加</a:t>
+            </a:r>
+            <a:r>
+              <a:rPr lang="en-US" altLang="zh-CN" dirty="0"/>
+              <a:t>overfitting</a:t>
+            </a:r>
+            <a:r>
+              <a:rPr lang="zh-CN" altLang="en-US" dirty="0"/>
+              <a:t>的情况。</a:t>
+            </a:r>
+            <a:endParaRPr lang="en-US" altLang="zh-CN" dirty="0"/>
+          </a:p>
+          <a:p>
+            <a:endParaRPr lang="en-US" altLang="zh-CN" dirty="0"/>
+          </a:p>
+          <a:p>
+            <a:endParaRPr lang="en-US" altLang="zh-CN" dirty="0"/>
+          </a:p>
+          <a:p>
+            <a:pPr marL="342900" indent="-342900">
+              <a:buAutoNum type="arabicPeriod" startAt="2"/>
+            </a:pPr>
+            <a:r>
+              <a:rPr lang="zh-CN" altLang="en-US" dirty="0"/>
+              <a:t>不同</a:t>
+            </a:r>
+            <a:r>
+              <a:rPr lang="en-US" altLang="zh-CN" dirty="0"/>
+              <a:t>sample</a:t>
+            </a:r>
+            <a:r>
+              <a:rPr lang="zh-CN" altLang="en-US" dirty="0"/>
+              <a:t>的数据分布有差异体现在</a:t>
+            </a:r>
+            <a:r>
+              <a:rPr lang="en-US" altLang="zh-CN" dirty="0"/>
+              <a:t> </a:t>
+            </a:r>
+            <a:r>
+              <a:rPr lang="zh-CN" altLang="en-US" dirty="0"/>
+              <a:t>两个方面：</a:t>
+            </a:r>
+            <a:endParaRPr lang="en-US" altLang="zh-CN" dirty="0"/>
+          </a:p>
+          <a:p>
+            <a:r>
+              <a:rPr lang="zh-CN" altLang="en-US" dirty="0"/>
+              <a:t>       </a:t>
+            </a:r>
+            <a:r>
+              <a:rPr lang="en-US" altLang="zh-CN" dirty="0"/>
+              <a:t>1</a:t>
+            </a:r>
+            <a:r>
+              <a:rPr lang="zh-CN" altLang="en-US" dirty="0"/>
+              <a:t>、佩戴位置、偏差 </a:t>
+            </a:r>
+            <a:endParaRPr lang="en-US" altLang="zh-CN" dirty="0"/>
+          </a:p>
+          <a:p>
+            <a:r>
+              <a:rPr lang="en-US" altLang="zh-CN" dirty="0"/>
+              <a:t>       2</a:t>
+            </a:r>
+            <a:r>
+              <a:rPr lang="zh-CN" altLang="en-US" dirty="0"/>
+              <a:t>、数据值的分布（跑姿，跑步习惯，</a:t>
+            </a:r>
+            <a:r>
+              <a:rPr lang="en-US" altLang="zh-CN" dirty="0"/>
+              <a:t>			</a:t>
+            </a:r>
+            <a:r>
+              <a:rPr lang="zh-CN" altLang="en-US" dirty="0"/>
+              <a:t>步频，配速）</a:t>
+            </a:r>
+            <a:endParaRPr lang="en-US" altLang="zh-CN" dirty="0"/>
+          </a:p>
+        </p:txBody>
+      </p:sp>
+      <p:sp>
+        <p:nvSpPr>
+          <p:cNvPr id="15" name="矩形 14">
+            <a:extLst>
+              <a:ext uri="{FF2B5EF4-FFF2-40B4-BE49-F238E27FC236}">
+                <a16:creationId xmlns:a16="http://schemas.microsoft.com/office/drawing/2014/main" id="{C4E2CF10-5638-41AE-BDA5-AE2515A416D7}"/>
+              </a:ext>
+            </a:extLst>
+          </p:cNvPr>
+          <p:cNvSpPr/>
+          <p:nvPr/>
+        </p:nvSpPr>
+        <p:spPr>
+          <a:xfrm>
+            <a:off x="-335659" y="5876075"/>
+            <a:ext cx="1338828" cy="369332"/>
+          </a:xfrm>
+          <a:prstGeom prst="rect">
+            <a:avLst/>
+          </a:prstGeom>
+        </p:spPr>
+        <p:txBody>
+          <a:bodyPr wrap="none">
+            <a:spAutoFit/>
+          </a:bodyPr>
+          <a:lstStyle/>
+          <a:p>
+            <a:r>
+              <a:rPr lang="zh-CN" altLang="en-US" dirty="0"/>
+              <a:t>原始训练集</a:t>
+            </a:r>
+          </a:p>
+        </p:txBody>
+      </p:sp>
+      <p:sp>
+        <p:nvSpPr>
+          <p:cNvPr id="16" name="矩形 15">
+            <a:extLst>
+              <a:ext uri="{FF2B5EF4-FFF2-40B4-BE49-F238E27FC236}">
+                <a16:creationId xmlns:a16="http://schemas.microsoft.com/office/drawing/2014/main" id="{59F29634-9D88-463A-970F-04DD8D95DB85}"/>
+              </a:ext>
+            </a:extLst>
+          </p:cNvPr>
+          <p:cNvSpPr/>
+          <p:nvPr/>
+        </p:nvSpPr>
+        <p:spPr>
+          <a:xfrm>
+            <a:off x="-335659" y="4069065"/>
+            <a:ext cx="1229824" cy="369332"/>
+          </a:xfrm>
+          <a:prstGeom prst="rect">
+            <a:avLst/>
+          </a:prstGeom>
+        </p:spPr>
+        <p:txBody>
+          <a:bodyPr wrap="none">
+            <a:spAutoFit/>
+          </a:bodyPr>
+          <a:lstStyle/>
+          <a:p>
+            <a:r>
+              <a:rPr lang="en-US" altLang="zh-CN" dirty="0"/>
+              <a:t>3</a:t>
+            </a:r>
+            <a:r>
+              <a:rPr lang="zh-CN" altLang="en-US" dirty="0"/>
+              <a:t>倍训练集</a:t>
+            </a:r>
+          </a:p>
+        </p:txBody>
+      </p:sp>
+      <p:sp>
+        <p:nvSpPr>
+          <p:cNvPr id="17" name="矩形 16">
+            <a:extLst>
+              <a:ext uri="{FF2B5EF4-FFF2-40B4-BE49-F238E27FC236}">
+                <a16:creationId xmlns:a16="http://schemas.microsoft.com/office/drawing/2014/main" id="{596A7372-C7A7-411E-96CF-E472619C435B}"/>
+              </a:ext>
+            </a:extLst>
+          </p:cNvPr>
+          <p:cNvSpPr/>
+          <p:nvPr/>
+        </p:nvSpPr>
+        <p:spPr>
+          <a:xfrm>
+            <a:off x="-364112" y="2415350"/>
+            <a:ext cx="1229824" cy="369332"/>
+          </a:xfrm>
+          <a:prstGeom prst="rect">
+            <a:avLst/>
+          </a:prstGeom>
+        </p:spPr>
+        <p:txBody>
+          <a:bodyPr wrap="none">
+            <a:spAutoFit/>
+          </a:bodyPr>
+          <a:lstStyle/>
+          <a:p>
+            <a:r>
+              <a:rPr lang="en-US" altLang="zh-CN" dirty="0"/>
+              <a:t>5</a:t>
+            </a:r>
+            <a:r>
+              <a:rPr lang="zh-CN" altLang="en-US" dirty="0"/>
+              <a:t>倍训练集</a:t>
+            </a:r>
+          </a:p>
+        </p:txBody>
+      </p:sp>
+      <p:sp>
+        <p:nvSpPr>
+          <p:cNvPr id="18" name="矩形 17">
+            <a:extLst>
+              <a:ext uri="{FF2B5EF4-FFF2-40B4-BE49-F238E27FC236}">
+                <a16:creationId xmlns:a16="http://schemas.microsoft.com/office/drawing/2014/main" id="{1142BE97-5EC3-4326-826D-90D16AA36535}"/>
+              </a:ext>
+            </a:extLst>
+          </p:cNvPr>
+          <p:cNvSpPr/>
+          <p:nvPr/>
+        </p:nvSpPr>
+        <p:spPr>
+          <a:xfrm>
+            <a:off x="-335659" y="513513"/>
+            <a:ext cx="1351652" cy="369332"/>
+          </a:xfrm>
+          <a:prstGeom prst="rect">
+            <a:avLst/>
+          </a:prstGeom>
+        </p:spPr>
+        <p:txBody>
+          <a:bodyPr wrap="none">
+            <a:spAutoFit/>
+          </a:bodyPr>
+          <a:lstStyle/>
+          <a:p>
+            <a:r>
+              <a:rPr lang="en-US" altLang="zh-CN" dirty="0"/>
+              <a:t>10</a:t>
+            </a:r>
+            <a:r>
+              <a:rPr lang="zh-CN" altLang="en-US" dirty="0"/>
+              <a:t>倍训练集</a:t>
+            </a:r>
+          </a:p>
+        </p:txBody>
+      </p:sp>
+      <p:sp>
+        <p:nvSpPr>
+          <p:cNvPr id="19" name="矩形 18">
+            <a:extLst>
+              <a:ext uri="{FF2B5EF4-FFF2-40B4-BE49-F238E27FC236}">
+                <a16:creationId xmlns:a16="http://schemas.microsoft.com/office/drawing/2014/main" id="{026E7321-701F-4F04-B47D-FD0BC655C78B}"/>
+              </a:ext>
+            </a:extLst>
+          </p:cNvPr>
+          <p:cNvSpPr/>
+          <p:nvPr/>
+        </p:nvSpPr>
+        <p:spPr>
+          <a:xfrm>
+            <a:off x="8202654" y="5526623"/>
+            <a:ext cx="3342092" cy="954107"/>
+          </a:xfrm>
+          <a:prstGeom prst="rect">
+            <a:avLst/>
+          </a:prstGeom>
+        </p:spPr>
+        <p:txBody>
+          <a:bodyPr wrap="square">
+            <a:spAutoFit/>
+          </a:bodyPr>
+          <a:lstStyle/>
+          <a:p>
+            <a:r>
+              <a:rPr lang="en-US" altLang="zh-CN" sz="2800" dirty="0"/>
+              <a:t>Test</a:t>
+            </a:r>
+            <a:r>
+              <a:rPr lang="en-US" altLang="zh-CN" sz="2800"/>
+              <a:t>:            </a:t>
+            </a:r>
+            <a:r>
+              <a:rPr lang="en-US" altLang="zh-CN" sz="2800">
+                <a:solidFill>
+                  <a:srgbClr val="0070C0"/>
+                </a:solidFill>
+              </a:rPr>
+              <a:t>Blue</a:t>
+            </a:r>
+            <a:endParaRPr lang="en-US" altLang="zh-CN" sz="2800" dirty="0">
+              <a:solidFill>
+                <a:srgbClr val="0070C0"/>
+              </a:solidFill>
+            </a:endParaRPr>
+          </a:p>
+          <a:p>
+            <a:r>
+              <a:rPr lang="en-US" altLang="zh-CN" sz="2800" dirty="0"/>
+              <a:t>Train:           </a:t>
+            </a:r>
+            <a:r>
+              <a:rPr lang="en-US" altLang="zh-CN" sz="2800" dirty="0">
+                <a:solidFill>
+                  <a:srgbClr val="FF0000"/>
+                </a:solidFill>
+              </a:rPr>
+              <a:t>Red</a:t>
+            </a:r>
+            <a:endParaRPr lang="zh-CN" altLang="en-US" sz="2800" dirty="0">
+              <a:solidFill>
+                <a:srgbClr val="FF0000"/>
+              </a:solidFill>
+            </a:endParaRPr>
+          </a:p>
+        </p:txBody>
+      </p:sp>
+    </p:spTree>
+    <p:extLst>
+      <p:ext uri="{BB962C8B-B14F-4D97-AF65-F5344CB8AC3E}">
+        <p14:creationId xmlns:p14="http://schemas.microsoft.com/office/powerpoint/2010/main" val="2129903426"/>
+      </p:ext>
+    </p:extLst>
+  </p:cSld>
+  <p:clrMapOvr>
+    <a:masterClrMapping/>
+  </p:clrMapOvr>
+</p:sld>
+</file>
+
+<file path=ppt/slides/slide14.xml><?xml version="1.0" encoding="utf-8"?>
+<p:sld xmlns:a="http://schemas.openxmlformats.org/drawingml/2006/main" xmlns:r="http://schemas.openxmlformats.org/officeDocument/2006/relationships" xmlns:p="http://schemas.openxmlformats.org/presentationml/2006/main">
+  <p:cSld>
+    <p:spTree>
+      <p:nvGrpSpPr>
+        <p:cNvPr id="1" name=""/>
+        <p:cNvGrpSpPr/>
+        <p:nvPr/>
+      </p:nvGrpSpPr>
+      <p:grpSpPr>
+        <a:xfrm>
+          <a:off x="0" y="0"/>
+          <a:ext cx="0" cy="0"/>
+          <a:chOff x="0" y="0"/>
+          <a:chExt cx="0" cy="0"/>
+        </a:xfrm>
+      </p:grpSpPr>
+      <p:pic>
+        <p:nvPicPr>
+          <p:cNvPr id="4" name="图片 3">
+            <a:extLst>
+              <a:ext uri="{FF2B5EF4-FFF2-40B4-BE49-F238E27FC236}">
+                <a16:creationId xmlns:a16="http://schemas.microsoft.com/office/drawing/2014/main" id="{34EA4B29-79FB-4D43-A940-8D471940C3CA}"/>
+              </a:ext>
+            </a:extLst>
+          </p:cNvPr>
+          <p:cNvPicPr>
+            <a:picLocks noChangeAspect="1"/>
+          </p:cNvPicPr>
+          <p:nvPr/>
+        </p:nvPicPr>
+        <p:blipFill>
+          <a:blip r:embed="rId2"/>
+          <a:stretch>
+            <a:fillRect/>
+          </a:stretch>
+        </p:blipFill>
+        <p:spPr>
+          <a:xfrm rot="5782673" flipV="1">
+            <a:off x="340304" y="1068460"/>
+            <a:ext cx="3172702" cy="2736730"/>
+          </a:xfrm>
+          <a:prstGeom prst="rect">
+            <a:avLst/>
+          </a:prstGeom>
+        </p:spPr>
+      </p:pic>
+      <p:cxnSp>
+        <p:nvCxnSpPr>
+          <p:cNvPr id="6" name="直接箭头连接符 5">
+            <a:extLst>
+              <a:ext uri="{FF2B5EF4-FFF2-40B4-BE49-F238E27FC236}">
+                <a16:creationId xmlns:a16="http://schemas.microsoft.com/office/drawing/2014/main" id="{83F9F5DF-FE7B-4020-9C8E-BD3FDE0FF63C}"/>
+              </a:ext>
+            </a:extLst>
+          </p:cNvPr>
+          <p:cNvCxnSpPr>
+            <a:cxnSpLocks/>
+          </p:cNvCxnSpPr>
+          <p:nvPr/>
+        </p:nvCxnSpPr>
+        <p:spPr>
+          <a:xfrm flipH="1">
+            <a:off x="880843" y="2069793"/>
+            <a:ext cx="1124125" cy="1843481"/>
+          </a:xfrm>
+          <a:prstGeom prst="straightConnector1">
+            <a:avLst/>
+          </a:prstGeom>
+          <a:ln w="76200">
+            <a:solidFill>
+              <a:srgbClr val="FF0000"/>
+            </a:solidFill>
+            <a:tailEnd type="triangle"/>
+          </a:ln>
+        </p:spPr>
+        <p:style>
+          <a:lnRef idx="1">
+            <a:schemeClr val="accent1"/>
+          </a:lnRef>
+          <a:fillRef idx="0">
+            <a:schemeClr val="accent1"/>
+          </a:fillRef>
+          <a:effectRef idx="0">
+            <a:schemeClr val="accent1"/>
+          </a:effectRef>
+          <a:fontRef idx="minor">
+            <a:schemeClr val="tx1"/>
+          </a:fontRef>
+        </p:style>
+      </p:cxnSp>
+      <p:sp>
+        <p:nvSpPr>
+          <p:cNvPr id="8" name="矩形 7">
+            <a:extLst>
+              <a:ext uri="{FF2B5EF4-FFF2-40B4-BE49-F238E27FC236}">
+                <a16:creationId xmlns:a16="http://schemas.microsoft.com/office/drawing/2014/main" id="{922E9CC6-3649-4767-B099-14F1EA3A432C}"/>
+              </a:ext>
+            </a:extLst>
+          </p:cNvPr>
+          <p:cNvSpPr/>
+          <p:nvPr/>
+        </p:nvSpPr>
+        <p:spPr>
+          <a:xfrm>
+            <a:off x="694715" y="3913274"/>
+            <a:ext cx="540533" cy="369332"/>
+          </a:xfrm>
+          <a:prstGeom prst="rect">
+            <a:avLst/>
+          </a:prstGeom>
+        </p:spPr>
+        <p:txBody>
+          <a:bodyPr wrap="none">
+            <a:spAutoFit/>
+          </a:bodyPr>
+          <a:lstStyle/>
+          <a:p>
+            <a:r>
+              <a:rPr lang="en-US" altLang="zh-CN" dirty="0"/>
+              <a:t>Acc</a:t>
+            </a:r>
+            <a:endParaRPr lang="zh-CN" altLang="en-US" dirty="0"/>
+          </a:p>
+        </p:txBody>
+      </p:sp>
+      <p:pic>
+        <p:nvPicPr>
+          <p:cNvPr id="10" name="图片 9">
+            <a:extLst>
+              <a:ext uri="{FF2B5EF4-FFF2-40B4-BE49-F238E27FC236}">
+                <a16:creationId xmlns:a16="http://schemas.microsoft.com/office/drawing/2014/main" id="{800BA8D4-B28A-45D5-BEFB-A1D3AA8B3329}"/>
+              </a:ext>
+            </a:extLst>
+          </p:cNvPr>
+          <p:cNvPicPr>
+            <a:picLocks noChangeAspect="1"/>
+          </p:cNvPicPr>
+          <p:nvPr/>
+        </p:nvPicPr>
+        <p:blipFill>
+          <a:blip r:embed="rId3"/>
+          <a:stretch>
+            <a:fillRect/>
+          </a:stretch>
+        </p:blipFill>
+        <p:spPr>
+          <a:xfrm>
+            <a:off x="5813718" y="116778"/>
+            <a:ext cx="3476875" cy="2320047"/>
+          </a:xfrm>
+          <a:prstGeom prst="rect">
+            <a:avLst/>
+          </a:prstGeom>
+        </p:spPr>
+      </p:pic>
+      <p:sp>
+        <p:nvSpPr>
+          <p:cNvPr id="11" name="矩形 10">
+            <a:extLst>
+              <a:ext uri="{FF2B5EF4-FFF2-40B4-BE49-F238E27FC236}">
+                <a16:creationId xmlns:a16="http://schemas.microsoft.com/office/drawing/2014/main" id="{7EC46C6C-49EB-423C-A8C0-07B507718915}"/>
+              </a:ext>
+            </a:extLst>
+          </p:cNvPr>
+          <p:cNvSpPr/>
+          <p:nvPr/>
+        </p:nvSpPr>
+        <p:spPr>
+          <a:xfrm>
+            <a:off x="5373" y="4421175"/>
+            <a:ext cx="4801314" cy="369332"/>
+          </a:xfrm>
+          <a:prstGeom prst="rect">
+            <a:avLst/>
+          </a:prstGeom>
+        </p:spPr>
+        <p:txBody>
+          <a:bodyPr wrap="none">
+            <a:spAutoFit/>
+          </a:bodyPr>
+          <a:lstStyle/>
+          <a:p>
+            <a:r>
+              <a:rPr lang="zh-CN" altLang="en-US" dirty="0"/>
+              <a:t>小腿受到的</a:t>
+            </a:r>
+            <a:r>
+              <a:rPr lang="zh-CN" altLang="en-US" dirty="0">
+                <a:highlight>
+                  <a:srgbClr val="FFFF00"/>
+                </a:highlight>
+              </a:rPr>
+              <a:t>合加速度</a:t>
+            </a:r>
+            <a:r>
+              <a:rPr lang="zh-CN" altLang="en-US" dirty="0"/>
+              <a:t>在</a:t>
+            </a:r>
+            <a:r>
+              <a:rPr lang="zh-CN" altLang="en-US" dirty="0">
+                <a:highlight>
+                  <a:srgbClr val="FFFF00"/>
+                </a:highlight>
+              </a:rPr>
+              <a:t>传感器坐标系下的投影</a:t>
+            </a:r>
+          </a:p>
+        </p:txBody>
+      </p:sp>
+      <p:sp>
+        <p:nvSpPr>
+          <p:cNvPr id="12" name="矩形 11">
+            <a:extLst>
+              <a:ext uri="{FF2B5EF4-FFF2-40B4-BE49-F238E27FC236}">
+                <a16:creationId xmlns:a16="http://schemas.microsoft.com/office/drawing/2014/main" id="{31AA1C1C-1816-4658-AF20-5B6B1164FD0F}"/>
+              </a:ext>
+            </a:extLst>
+          </p:cNvPr>
+          <p:cNvSpPr/>
+          <p:nvPr/>
+        </p:nvSpPr>
+        <p:spPr>
+          <a:xfrm>
+            <a:off x="5490359" y="2502111"/>
+            <a:ext cx="5705951" cy="646331"/>
+          </a:xfrm>
+          <a:prstGeom prst="rect">
+            <a:avLst/>
+          </a:prstGeom>
+        </p:spPr>
+        <p:txBody>
+          <a:bodyPr wrap="square">
+            <a:spAutoFit/>
+          </a:bodyPr>
+          <a:lstStyle/>
+          <a:p>
+            <a:r>
+              <a:rPr lang="zh-CN" altLang="en-US" dirty="0"/>
+              <a:t>类似椭圆拟合，合加速度的所有情况构成了空间的椭球，跑步等运动的产生的</a:t>
+            </a:r>
+            <a:r>
+              <a:rPr lang="zh-CN" altLang="en-US" dirty="0">
+                <a:highlight>
+                  <a:srgbClr val="FFFF00"/>
+                </a:highlight>
+              </a:rPr>
+              <a:t>加速度序列</a:t>
+            </a:r>
+            <a:r>
+              <a:rPr lang="zh-CN" altLang="en-US" dirty="0"/>
+              <a:t>就是在</a:t>
+            </a:r>
+            <a:r>
+              <a:rPr lang="zh-CN" altLang="en-US" dirty="0">
+                <a:highlight>
+                  <a:srgbClr val="FFFF00"/>
+                </a:highlight>
+              </a:rPr>
+              <a:t>椭球表面</a:t>
+            </a:r>
+            <a:r>
+              <a:rPr lang="zh-CN" altLang="en-US" dirty="0"/>
+              <a:t>取</a:t>
+            </a:r>
+            <a:r>
+              <a:rPr lang="zh-CN" altLang="en-US" dirty="0">
+                <a:highlight>
+                  <a:srgbClr val="FFFF00"/>
+                </a:highlight>
+              </a:rPr>
+              <a:t>轨迹</a:t>
+            </a:r>
+          </a:p>
+        </p:txBody>
+      </p:sp>
+      <p:pic>
+        <p:nvPicPr>
+          <p:cNvPr id="13" name="图片 12">
+            <a:extLst>
+              <a:ext uri="{FF2B5EF4-FFF2-40B4-BE49-F238E27FC236}">
+                <a16:creationId xmlns:a16="http://schemas.microsoft.com/office/drawing/2014/main" id="{9CACB9C7-0F9D-4BED-BBA2-D616C516311F}"/>
+              </a:ext>
+            </a:extLst>
+          </p:cNvPr>
+          <p:cNvPicPr>
+            <a:picLocks noChangeAspect="1"/>
+          </p:cNvPicPr>
+          <p:nvPr/>
+        </p:nvPicPr>
+        <p:blipFill>
+          <a:blip r:embed="rId4"/>
+          <a:stretch>
+            <a:fillRect/>
+          </a:stretch>
+        </p:blipFill>
+        <p:spPr>
+          <a:xfrm>
+            <a:off x="5738217" y="3385763"/>
+            <a:ext cx="4030975" cy="2440155"/>
+          </a:xfrm>
+          <a:prstGeom prst="rect">
+            <a:avLst/>
+          </a:prstGeom>
+        </p:spPr>
+      </p:pic>
+      <p:sp>
+        <p:nvSpPr>
+          <p:cNvPr id="14" name="矩形 13">
+            <a:extLst>
+              <a:ext uri="{FF2B5EF4-FFF2-40B4-BE49-F238E27FC236}">
+                <a16:creationId xmlns:a16="http://schemas.microsoft.com/office/drawing/2014/main" id="{9D91C8A3-A824-416A-AF3E-FDCFC4A9A829}"/>
+              </a:ext>
+            </a:extLst>
+          </p:cNvPr>
+          <p:cNvSpPr/>
+          <p:nvPr/>
+        </p:nvSpPr>
+        <p:spPr>
+          <a:xfrm>
+            <a:off x="5607804" y="6063239"/>
+            <a:ext cx="5705951" cy="369332"/>
+          </a:xfrm>
+          <a:prstGeom prst="rect">
+            <a:avLst/>
+          </a:prstGeom>
+        </p:spPr>
+        <p:txBody>
+          <a:bodyPr wrap="square">
+            <a:spAutoFit/>
+          </a:bodyPr>
+          <a:lstStyle/>
+          <a:p>
+            <a:r>
+              <a:rPr lang="zh-CN" altLang="en-US" dirty="0"/>
+              <a:t>不同人，跑姿，习惯不同，产生的椭球就不相同</a:t>
+            </a:r>
+            <a:endParaRPr lang="zh-CN" altLang="en-US" dirty="0">
+              <a:highlight>
+                <a:srgbClr val="FFFF00"/>
+              </a:highlight>
+            </a:endParaRPr>
+          </a:p>
+        </p:txBody>
+      </p:sp>
+    </p:spTree>
+    <p:extLst>
+      <p:ext uri="{BB962C8B-B14F-4D97-AF65-F5344CB8AC3E}">
+        <p14:creationId xmlns:p14="http://schemas.microsoft.com/office/powerpoint/2010/main" val="179353721"/>
+      </p:ext>
+    </p:extLst>
+  </p:cSld>
+  <p:clrMapOvr>
+    <a:masterClrMapping/>
+  </p:clrMapOvr>
+</p:sld>
+</file>
+
+<file path=ppt/slides/slide15.xml><?xml version="1.0" encoding="utf-8"?>
+<p:sld xmlns:a="http://schemas.openxmlformats.org/drawingml/2006/main" xmlns:r="http://schemas.openxmlformats.org/officeDocument/2006/relationships" xmlns:p="http://schemas.openxmlformats.org/presentationml/2006/main">
+  <p:cSld>
+    <p:spTree>
+      <p:nvGrpSpPr>
+        <p:cNvPr id="1" name=""/>
+        <p:cNvGrpSpPr/>
+        <p:nvPr/>
+      </p:nvGrpSpPr>
+      <p:grpSpPr>
+        <a:xfrm>
+          <a:off x="0" y="0"/>
+          <a:ext cx="0" cy="0"/>
+          <a:chOff x="0" y="0"/>
+          <a:chExt cx="0" cy="0"/>
+        </a:xfrm>
+      </p:grpSpPr>
+      <p:pic>
+        <p:nvPicPr>
+          <p:cNvPr id="4" name="图片 3">
+            <a:extLst>
+              <a:ext uri="{FF2B5EF4-FFF2-40B4-BE49-F238E27FC236}">
+                <a16:creationId xmlns:a16="http://schemas.microsoft.com/office/drawing/2014/main" id="{FC9511FD-DF69-4574-9AF0-27263C380167}"/>
+              </a:ext>
+            </a:extLst>
+          </p:cNvPr>
+          <p:cNvPicPr>
+            <a:picLocks noChangeAspect="1"/>
+          </p:cNvPicPr>
+          <p:nvPr/>
+        </p:nvPicPr>
+        <p:blipFill rotWithShape="1">
+          <a:blip r:embed="rId2"/>
+          <a:srcRect b="8035"/>
+          <a:stretch/>
+        </p:blipFill>
+        <p:spPr>
+          <a:xfrm>
+            <a:off x="1071612" y="-192503"/>
+            <a:ext cx="10048775" cy="2383145"/>
+          </a:xfrm>
+          <a:prstGeom prst="rect">
+            <a:avLst/>
+          </a:prstGeom>
+        </p:spPr>
+      </p:pic>
+      <p:pic>
+        <p:nvPicPr>
+          <p:cNvPr id="5" name="图片 4">
+            <a:extLst>
+              <a:ext uri="{FF2B5EF4-FFF2-40B4-BE49-F238E27FC236}">
+                <a16:creationId xmlns:a16="http://schemas.microsoft.com/office/drawing/2014/main" id="{FA15071F-13AC-4160-933E-7AE056A951B2}"/>
+              </a:ext>
+            </a:extLst>
+          </p:cNvPr>
+          <p:cNvPicPr>
+            <a:picLocks noChangeAspect="1"/>
+          </p:cNvPicPr>
+          <p:nvPr/>
+        </p:nvPicPr>
+        <p:blipFill>
+          <a:blip r:embed="rId3"/>
+          <a:stretch>
+            <a:fillRect/>
+          </a:stretch>
+        </p:blipFill>
+        <p:spPr>
+          <a:xfrm>
+            <a:off x="1071612" y="2190642"/>
+            <a:ext cx="10333807" cy="2844882"/>
+          </a:xfrm>
+          <a:prstGeom prst="rect">
+            <a:avLst/>
+          </a:prstGeom>
+        </p:spPr>
+      </p:pic>
+      <p:pic>
+        <p:nvPicPr>
+          <p:cNvPr id="6" name="图片 5">
+            <a:extLst>
+              <a:ext uri="{FF2B5EF4-FFF2-40B4-BE49-F238E27FC236}">
+                <a16:creationId xmlns:a16="http://schemas.microsoft.com/office/drawing/2014/main" id="{429AEF2C-41D5-44BA-B5CA-7DA292DA4F39}"/>
+              </a:ext>
+            </a:extLst>
+          </p:cNvPr>
+          <p:cNvPicPr>
+            <a:picLocks noChangeAspect="1"/>
+          </p:cNvPicPr>
+          <p:nvPr/>
+        </p:nvPicPr>
+        <p:blipFill rotWithShape="1">
+          <a:blip r:embed="rId4"/>
+          <a:srcRect t="7319"/>
+          <a:stretch/>
+        </p:blipFill>
+        <p:spPr>
+          <a:xfrm>
+            <a:off x="964038" y="4781998"/>
+            <a:ext cx="10548953" cy="2636671"/>
+          </a:xfrm>
+          <a:prstGeom prst="rect">
+            <a:avLst/>
+          </a:prstGeom>
+        </p:spPr>
+      </p:pic>
+    </p:spTree>
+    <p:extLst>
+      <p:ext uri="{BB962C8B-B14F-4D97-AF65-F5344CB8AC3E}">
+        <p14:creationId xmlns:p14="http://schemas.microsoft.com/office/powerpoint/2010/main" val="903931238"/>
+      </p:ext>
+    </p:extLst>
+  </p:cSld>
+  <p:clrMapOvr>
+    <a:masterClrMapping/>
+  </p:clrMapOvr>
+</p:sld>
+</file>
+
+<file path=ppt/slides/slide16.xml><?xml version="1.0" encoding="utf-8"?>
+<p:sld xmlns:a="http://schemas.openxmlformats.org/drawingml/2006/main" xmlns:r="http://schemas.openxmlformats.org/officeDocument/2006/relationships" xmlns:p="http://schemas.openxmlformats.org/presentationml/2006/main">
+  <p:cSld>
+    <p:spTree>
+      <p:nvGrpSpPr>
+        <p:cNvPr id="1" name=""/>
+        <p:cNvGrpSpPr/>
+        <p:nvPr/>
+      </p:nvGrpSpPr>
+      <p:grpSpPr>
+        <a:xfrm>
+          <a:off x="0" y="0"/>
+          <a:ext cx="0" cy="0"/>
+          <a:chOff x="0" y="0"/>
+          <a:chExt cx="0" cy="0"/>
+        </a:xfrm>
+      </p:grpSpPr>
+      <p:pic>
+        <p:nvPicPr>
+          <p:cNvPr id="4" name="图片 3">
+            <a:extLst>
+              <a:ext uri="{FF2B5EF4-FFF2-40B4-BE49-F238E27FC236}">
+                <a16:creationId xmlns:a16="http://schemas.microsoft.com/office/drawing/2014/main" id="{A1DD328A-15DA-4067-A5E7-D22F14840F21}"/>
+              </a:ext>
+            </a:extLst>
+          </p:cNvPr>
+          <p:cNvPicPr>
+            <a:picLocks noChangeAspect="1"/>
+          </p:cNvPicPr>
+          <p:nvPr/>
+        </p:nvPicPr>
+        <p:blipFill>
+          <a:blip r:embed="rId2"/>
+          <a:stretch>
+            <a:fillRect/>
+          </a:stretch>
+        </p:blipFill>
+        <p:spPr>
+          <a:xfrm>
+            <a:off x="0" y="0"/>
+            <a:ext cx="12192000" cy="3259400"/>
+          </a:xfrm>
+          <a:prstGeom prst="rect">
+            <a:avLst/>
+          </a:prstGeom>
+        </p:spPr>
+      </p:pic>
+      <p:pic>
+        <p:nvPicPr>
+          <p:cNvPr id="5" name="图片 4">
+            <a:extLst>
+              <a:ext uri="{FF2B5EF4-FFF2-40B4-BE49-F238E27FC236}">
+                <a16:creationId xmlns:a16="http://schemas.microsoft.com/office/drawing/2014/main" id="{2AD4C8AF-CA67-406B-9D43-47D12C71BA90}"/>
+              </a:ext>
+            </a:extLst>
+          </p:cNvPr>
+          <p:cNvPicPr>
+            <a:picLocks noChangeAspect="1"/>
+          </p:cNvPicPr>
+          <p:nvPr/>
+        </p:nvPicPr>
+        <p:blipFill>
+          <a:blip r:embed="rId3"/>
+          <a:stretch>
+            <a:fillRect/>
+          </a:stretch>
+        </p:blipFill>
+        <p:spPr>
+          <a:xfrm>
+            <a:off x="0" y="3170108"/>
+            <a:ext cx="12192000" cy="3078104"/>
+          </a:xfrm>
+          <a:prstGeom prst="rect">
+            <a:avLst/>
+          </a:prstGeom>
+        </p:spPr>
+      </p:pic>
+    </p:spTree>
+    <p:extLst>
+      <p:ext uri="{BB962C8B-B14F-4D97-AF65-F5344CB8AC3E}">
+        <p14:creationId xmlns:p14="http://schemas.microsoft.com/office/powerpoint/2010/main" val="1045181602"/>
+      </p:ext>
+    </p:extLst>
+  </p:cSld>
+  <p:clrMapOvr>
+    <a:masterClrMapping/>
+  </p:clrMapOvr>
+</p:sld>
+</file>
+
+<file path=ppt/slides/slide17.xml><?xml version="1.0" encoding="utf-8"?>
+<p:sld xmlns:a="http://schemas.openxmlformats.org/drawingml/2006/main" xmlns:r="http://schemas.openxmlformats.org/officeDocument/2006/relationships" xmlns:p="http://schemas.openxmlformats.org/presentationml/2006/main">
+  <p:cSld>
+    <p:spTree>
+      <p:nvGrpSpPr>
+        <p:cNvPr id="1" name=""/>
+        <p:cNvGrpSpPr/>
+        <p:nvPr/>
+      </p:nvGrpSpPr>
+      <p:grpSpPr>
+        <a:xfrm>
+          <a:off x="0" y="0"/>
+          <a:ext cx="0" cy="0"/>
+          <a:chOff x="0" y="0"/>
+          <a:chExt cx="0" cy="0"/>
+        </a:xfrm>
+      </p:grpSpPr>
+      <p:pic>
+        <p:nvPicPr>
+          <p:cNvPr id="4" name="图片 3">
+            <a:extLst>
+              <a:ext uri="{FF2B5EF4-FFF2-40B4-BE49-F238E27FC236}">
+                <a16:creationId xmlns:a16="http://schemas.microsoft.com/office/drawing/2014/main" id="{02E2E27E-3250-445E-94E4-8F37B87D3AEC}"/>
+              </a:ext>
+            </a:extLst>
+          </p:cNvPr>
+          <p:cNvPicPr>
+            <a:picLocks noChangeAspect="1"/>
+          </p:cNvPicPr>
+          <p:nvPr/>
+        </p:nvPicPr>
+        <p:blipFill>
+          <a:blip r:embed="rId2"/>
+          <a:stretch>
+            <a:fillRect/>
+          </a:stretch>
+        </p:blipFill>
+        <p:spPr>
+          <a:xfrm>
+            <a:off x="0" y="-154724"/>
+            <a:ext cx="9124749" cy="2266657"/>
+          </a:xfrm>
+          <a:prstGeom prst="rect">
+            <a:avLst/>
+          </a:prstGeom>
+        </p:spPr>
+      </p:pic>
+      <p:pic>
+        <p:nvPicPr>
+          <p:cNvPr id="5" name="图片 4">
+            <a:extLst>
+              <a:ext uri="{FF2B5EF4-FFF2-40B4-BE49-F238E27FC236}">
+                <a16:creationId xmlns:a16="http://schemas.microsoft.com/office/drawing/2014/main" id="{9A87A25C-0578-49FF-A3E1-D39344AFC45D}"/>
+              </a:ext>
+            </a:extLst>
+          </p:cNvPr>
+          <p:cNvPicPr>
+            <a:picLocks noChangeAspect="1"/>
+          </p:cNvPicPr>
+          <p:nvPr/>
+        </p:nvPicPr>
+        <p:blipFill>
+          <a:blip r:embed="rId3"/>
+          <a:stretch>
+            <a:fillRect/>
+          </a:stretch>
+        </p:blipFill>
+        <p:spPr>
+          <a:xfrm>
+            <a:off x="-1" y="1993334"/>
+            <a:ext cx="9186234" cy="2453538"/>
+          </a:xfrm>
+          <a:prstGeom prst="rect">
+            <a:avLst/>
+          </a:prstGeom>
+        </p:spPr>
+      </p:pic>
+      <p:pic>
+        <p:nvPicPr>
+          <p:cNvPr id="6" name="图片 5">
+            <a:extLst>
+              <a:ext uri="{FF2B5EF4-FFF2-40B4-BE49-F238E27FC236}">
+                <a16:creationId xmlns:a16="http://schemas.microsoft.com/office/drawing/2014/main" id="{F3400FE9-129D-4F0C-B696-22F3A8E87207}"/>
+              </a:ext>
+            </a:extLst>
+          </p:cNvPr>
+          <p:cNvPicPr>
+            <a:picLocks noChangeAspect="1"/>
+          </p:cNvPicPr>
+          <p:nvPr/>
+        </p:nvPicPr>
+        <p:blipFill>
+          <a:blip r:embed="rId4"/>
+          <a:stretch>
+            <a:fillRect/>
+          </a:stretch>
+        </p:blipFill>
+        <p:spPr>
+          <a:xfrm>
+            <a:off x="-78658" y="4259991"/>
+            <a:ext cx="9026013" cy="2453785"/>
+          </a:xfrm>
+          <a:prstGeom prst="rect">
+            <a:avLst/>
+          </a:prstGeom>
+        </p:spPr>
+      </p:pic>
+    </p:spTree>
+    <p:extLst>
+      <p:ext uri="{BB962C8B-B14F-4D97-AF65-F5344CB8AC3E}">
+        <p14:creationId xmlns:p14="http://schemas.microsoft.com/office/powerpoint/2010/main" val="319921250"/>
       </p:ext>
     </p:extLst>
   </p:cSld>
@@ -8216,7 +9915,7 @@
               <a:t>feature</a:t>
             </a:r>
             <a:r>
-              <a:rPr lang="zh-CN" altLang="en-US"/>
+              <a:rPr lang="zh-CN" altLang="en-US" dirty="0"/>
               <a:t>造成很大影响</a:t>
             </a:r>
             <a:endParaRPr lang="en-US" altLang="zh-CN" dirty="0"/>
